--- a/img/schema.pptx
+++ b/img/schema.pptx
@@ -259,7 +259,7 @@
           <a:p>
             <a:fld id="{4542F26A-B43C-4843-BE4C-23074202DE95}" type="datetimeFigureOut">
               <a:rPr lang="de-DE" smtClean="0"/>
-              <a:t>20.03.2018</a:t>
+              <a:t>25.03.2018</a:t>
             </a:fld>
             <a:endParaRPr lang="de-DE"/>
           </a:p>
@@ -457,7 +457,7 @@
           <a:p>
             <a:fld id="{4542F26A-B43C-4843-BE4C-23074202DE95}" type="datetimeFigureOut">
               <a:rPr lang="de-DE" smtClean="0"/>
-              <a:t>20.03.2018</a:t>
+              <a:t>25.03.2018</a:t>
             </a:fld>
             <a:endParaRPr lang="de-DE"/>
           </a:p>
@@ -665,7 +665,7 @@
           <a:p>
             <a:fld id="{4542F26A-B43C-4843-BE4C-23074202DE95}" type="datetimeFigureOut">
               <a:rPr lang="de-DE" smtClean="0"/>
-              <a:t>20.03.2018</a:t>
+              <a:t>25.03.2018</a:t>
             </a:fld>
             <a:endParaRPr lang="de-DE"/>
           </a:p>
@@ -863,7 +863,7 @@
           <a:p>
             <a:fld id="{4542F26A-B43C-4843-BE4C-23074202DE95}" type="datetimeFigureOut">
               <a:rPr lang="de-DE" smtClean="0"/>
-              <a:t>20.03.2018</a:t>
+              <a:t>25.03.2018</a:t>
             </a:fld>
             <a:endParaRPr lang="de-DE"/>
           </a:p>
@@ -1138,7 +1138,7 @@
           <a:p>
             <a:fld id="{4542F26A-B43C-4843-BE4C-23074202DE95}" type="datetimeFigureOut">
               <a:rPr lang="de-DE" smtClean="0"/>
-              <a:t>20.03.2018</a:t>
+              <a:t>25.03.2018</a:t>
             </a:fld>
             <a:endParaRPr lang="de-DE"/>
           </a:p>
@@ -1403,7 +1403,7 @@
           <a:p>
             <a:fld id="{4542F26A-B43C-4843-BE4C-23074202DE95}" type="datetimeFigureOut">
               <a:rPr lang="de-DE" smtClean="0"/>
-              <a:t>20.03.2018</a:t>
+              <a:t>25.03.2018</a:t>
             </a:fld>
             <a:endParaRPr lang="de-DE"/>
           </a:p>
@@ -1815,7 +1815,7 @@
           <a:p>
             <a:fld id="{4542F26A-B43C-4843-BE4C-23074202DE95}" type="datetimeFigureOut">
               <a:rPr lang="de-DE" smtClean="0"/>
-              <a:t>20.03.2018</a:t>
+              <a:t>25.03.2018</a:t>
             </a:fld>
             <a:endParaRPr lang="de-DE"/>
           </a:p>
@@ -1956,7 +1956,7 @@
           <a:p>
             <a:fld id="{4542F26A-B43C-4843-BE4C-23074202DE95}" type="datetimeFigureOut">
               <a:rPr lang="de-DE" smtClean="0"/>
-              <a:t>20.03.2018</a:t>
+              <a:t>25.03.2018</a:t>
             </a:fld>
             <a:endParaRPr lang="de-DE"/>
           </a:p>
@@ -2069,7 +2069,7 @@
           <a:p>
             <a:fld id="{4542F26A-B43C-4843-BE4C-23074202DE95}" type="datetimeFigureOut">
               <a:rPr lang="de-DE" smtClean="0"/>
-              <a:t>20.03.2018</a:t>
+              <a:t>25.03.2018</a:t>
             </a:fld>
             <a:endParaRPr lang="de-DE"/>
           </a:p>
@@ -2380,7 +2380,7 @@
           <a:p>
             <a:fld id="{4542F26A-B43C-4843-BE4C-23074202DE95}" type="datetimeFigureOut">
               <a:rPr lang="de-DE" smtClean="0"/>
-              <a:t>20.03.2018</a:t>
+              <a:t>25.03.2018</a:t>
             </a:fld>
             <a:endParaRPr lang="de-DE"/>
           </a:p>
@@ -2668,7 +2668,7 @@
           <a:p>
             <a:fld id="{4542F26A-B43C-4843-BE4C-23074202DE95}" type="datetimeFigureOut">
               <a:rPr lang="de-DE" smtClean="0"/>
-              <a:t>20.03.2018</a:t>
+              <a:t>25.03.2018</a:t>
             </a:fld>
             <a:endParaRPr lang="de-DE"/>
           </a:p>
@@ -2909,7 +2909,7 @@
           <a:p>
             <a:fld id="{4542F26A-B43C-4843-BE4C-23074202DE95}" type="datetimeFigureOut">
               <a:rPr lang="de-DE" smtClean="0"/>
-              <a:t>20.03.2018</a:t>
+              <a:t>25.03.2018</a:t>
             </a:fld>
             <a:endParaRPr lang="de-DE"/>
           </a:p>
@@ -3340,7 +3340,7 @@
         </p:nvSpPr>
         <p:spPr>
           <a:xfrm>
-            <a:off x="4006608" y="4345149"/>
+            <a:off x="5046643" y="4345149"/>
             <a:ext cx="7140696" cy="1750272"/>
           </a:xfrm>
           <a:prstGeom prst="homePlate">
@@ -3395,7 +3395,7 @@
         </p:nvSpPr>
         <p:spPr>
           <a:xfrm>
-            <a:off x="4006608" y="2484931"/>
+            <a:off x="5046643" y="2484931"/>
             <a:ext cx="7140696" cy="1769472"/>
           </a:xfrm>
           <a:prstGeom prst="homePlate">
@@ -3474,8 +3474,8 @@
         </p:nvSpPr>
         <p:spPr>
           <a:xfrm>
-            <a:off x="55850" y="2568697"/>
-            <a:ext cx="2303441" cy="1685706"/>
+            <a:off x="55849" y="2568697"/>
+            <a:ext cx="3747531" cy="1685706"/>
           </a:xfrm>
           <a:prstGeom prst="rect">
             <a:avLst/>
@@ -3540,13 +3540,13 @@
                 <a:ea typeface="Cambria Math" panose="02040503050406030204" pitchFamily="18" charset="0"/>
                 <a:cs typeface="Times New Roman" panose="02020603050405020304" pitchFamily="18" charset="0"/>
               </a:rPr>
-              <a:t> X</a:t>
-            </a:r>
-          </a:p>
-        </p:txBody>
-      </p:sp>
-      <mc:AlternateContent xmlns:mc="http://schemas.openxmlformats.org/markup-compatibility/2006" xmlns:a14="http://schemas.microsoft.com/office/drawing/2010/main">
-        <mc:Choice Requires="a14">
+              <a:t> D</a:t>
+            </a:r>
+          </a:p>
+        </p:txBody>
+      </p:sp>
+      <mc:AlternateContent xmlns:mc="http://schemas.openxmlformats.org/markup-compatibility/2006">
+        <mc:Choice xmlns:a14="http://schemas.microsoft.com/office/drawing/2010/main" Requires="a14">
           <p:sp>
             <p:nvSpPr>
               <p:cNvPr id="5" name="Rechteck 4">
@@ -3561,7 +3561,7 @@
             </p:nvSpPr>
             <p:spPr>
               <a:xfrm>
-                <a:off x="4146211" y="2568696"/>
+                <a:off x="5186246" y="2568696"/>
                 <a:ext cx="1465833" cy="3399335"/>
               </a:xfrm>
               <a:prstGeom prst="rect">
@@ -3643,7 +3643,7 @@
             </p:txBody>
           </p:sp>
         </mc:Choice>
-        <mc:Fallback xmlns="">
+        <mc:Fallback>
           <p:sp>
             <p:nvSpPr>
               <p:cNvPr id="5" name="Rechteck 4">
@@ -3660,7 +3660,7 @@
             </p:nvSpPr>
             <p:spPr>
               <a:xfrm>
-                <a:off x="4146211" y="2568696"/>
+                <a:off x="5186246" y="2568696"/>
                 <a:ext cx="1465833" cy="3399335"/>
               </a:xfrm>
               <a:prstGeom prst="rect">
@@ -3709,7 +3709,7 @@
             </p:nvSpPr>
             <p:spPr>
               <a:xfrm>
-                <a:off x="6984432" y="4432388"/>
+                <a:off x="8024467" y="4432388"/>
                 <a:ext cx="1235856" cy="1577515"/>
               </a:xfrm>
               <a:prstGeom prst="rect">
@@ -3802,7 +3802,7 @@
             </p:nvSpPr>
             <p:spPr>
               <a:xfrm>
-                <a:off x="6984432" y="4432388"/>
+                <a:off x="8024467" y="4432388"/>
                 <a:ext cx="1235856" cy="1577515"/>
               </a:xfrm>
               <a:prstGeom prst="rect">
@@ -3851,8 +3851,8 @@
         </p:nvCxnSpPr>
         <p:spPr>
           <a:xfrm>
-            <a:off x="2505875" y="4282323"/>
-            <a:ext cx="1416971" cy="13961"/>
+            <a:off x="3894925" y="4296284"/>
+            <a:ext cx="1067956" cy="0"/>
           </a:xfrm>
           <a:prstGeom prst="straightConnector1">
             <a:avLst/>
@@ -3898,8 +3898,8 @@
         </p:nvCxnSpPr>
         <p:spPr>
           <a:xfrm>
-            <a:off x="5764441" y="5648682"/>
-            <a:ext cx="901605" cy="0"/>
+            <a:off x="6804476" y="5648682"/>
+            <a:ext cx="1055176" cy="0"/>
           </a:xfrm>
           <a:prstGeom prst="straightConnector1">
             <a:avLst/>
@@ -3943,7 +3943,7 @@
         </p:nvSpPr>
         <p:spPr>
           <a:xfrm>
-            <a:off x="2359291" y="3429000"/>
+            <a:off x="3593976" y="3415158"/>
             <a:ext cx="1675238" cy="769441"/>
           </a:xfrm>
           <a:prstGeom prst="rect">
@@ -4000,7 +4000,7 @@
         </p:nvSpPr>
         <p:spPr>
           <a:xfrm>
-            <a:off x="5536421" y="4458362"/>
+            <a:off x="6576456" y="4458362"/>
             <a:ext cx="1465833" cy="1107996"/>
           </a:xfrm>
           <a:prstGeom prst="rect">
@@ -4070,7 +4070,7 @@
         </p:nvSpPr>
         <p:spPr>
           <a:xfrm>
-            <a:off x="8265287" y="4486282"/>
+            <a:off x="9305322" y="4486282"/>
             <a:ext cx="2630731" cy="1446550"/>
           </a:xfrm>
           <a:prstGeom prst="rect">
@@ -4184,8 +4184,8 @@
         </p:nvSpPr>
         <p:spPr>
           <a:xfrm>
-            <a:off x="61681" y="4345149"/>
-            <a:ext cx="2297610" cy="1750272"/>
+            <a:off x="61680" y="4345149"/>
+            <a:ext cx="3752178" cy="1750272"/>
           </a:xfrm>
           <a:prstGeom prst="rect">
             <a:avLst/>
@@ -4225,29 +4225,26 @@
                 <a:latin typeface="Cambria Math" panose="02040503050406030204" pitchFamily="18" charset="0"/>
                 <a:ea typeface="Cambria Math" panose="02040503050406030204" pitchFamily="18" charset="0"/>
               </a:rPr>
-              <a:t>hyperpar</a:t>
+              <a:t>hyperparameter</a:t>
             </a:r>
             <a:r>
               <a:rPr lang="de-DE" sz="4000" dirty="0">
                 <a:latin typeface="Cambria Math" panose="02040503050406030204" pitchFamily="18" charset="0"/>
                 <a:ea typeface="Cambria Math" panose="02040503050406030204" pitchFamily="18" charset="0"/>
               </a:rPr>
-              <a:t>. </a:t>
+              <a:t> </a:t>
             </a:r>
             <a:r>
               <a:rPr lang="de-DE" sz="4000" dirty="0" err="1">
                 <a:latin typeface="Cambria Math" panose="02040503050406030204" pitchFamily="18" charset="0"/>
                 <a:ea typeface="Cambria Math" panose="02040503050406030204" pitchFamily="18" charset="0"/>
               </a:rPr>
-              <a:t>config</a:t>
-            </a:r>
-            <a:r>
-              <a:rPr lang="de-DE" sz="4000" dirty="0">
-                <a:latin typeface="Cambria Math" panose="02040503050406030204" pitchFamily="18" charset="0"/>
-                <a:ea typeface="Cambria Math" panose="02040503050406030204" pitchFamily="18" charset="0"/>
-              </a:rPr>
-              <a:t>.  </a:t>
-            </a:r>
+              <a:t>configuration</a:t>
+            </a:r>
+            <a:endParaRPr lang="de-DE" sz="4000" dirty="0">
+              <a:latin typeface="Cambria Math" panose="02040503050406030204" pitchFamily="18" charset="0"/>
+              <a:ea typeface="Cambria Math" panose="02040503050406030204" pitchFamily="18" charset="0"/>
+            </a:endParaRPr>
           </a:p>
           <a:p>
             <a:pPr algn="ctr"/>
